--- a/Project Lax.pptx
+++ b/Project Lax.pptx
@@ -4242,19 +4242,7 @@
       </p:grpSpPr>
       <p:sp>
         <p:nvSpPr>
-          <p:cNvPr id="2" name="Tijdelijke aanduiding voor afbeelding 1"/>
-          <p:cNvSpPr>
-            <a:spLocks noGrp="1"/>
-          </p:cNvSpPr>
-          <p:nvPr>
-            <p:ph type="pic" idx="1"/>
-          </p:nvPr>
-        </p:nvSpPr>
-        <p:spPr/>
-      </p:sp>
-      <p:sp>
-        <p:nvSpPr>
-          <p:cNvPr id="3" name="Titel 2"/>
+          <p:cNvPr id="5" name="Titel 4"/>
           <p:cNvSpPr>
             <a:spLocks noGrp="1"/>
           </p:cNvSpPr>
@@ -4267,18 +4255,22 @@
           <a:bodyPr/>
           <a:lstStyle/>
           <a:p>
-            <a:endParaRPr lang="nl-NL" dirty="0"/>
-          </a:p>
-        </p:txBody>
-      </p:sp>
-      <p:sp>
-        <p:nvSpPr>
-          <p:cNvPr id="4" name="Tijdelijke aanduiding voor tekst 3"/>
-          <p:cNvSpPr>
-            <a:spLocks noGrp="1"/>
-          </p:cNvSpPr>
-          <p:nvPr>
-            <p:ph type="body" sz="half" idx="2"/>
+            <a:r>
+              <a:rPr lang="nl-BE" dirty="0" smtClean="0"/>
+              <a:t>Besluit</a:t>
+            </a:r>
+            <a:endParaRPr lang="nl-BE" dirty="0"/>
+          </a:p>
+        </p:txBody>
+      </p:sp>
+      <p:sp>
+        <p:nvSpPr>
+          <p:cNvPr id="6" name="Tijdelijke aanduiding voor inhoud 5"/>
+          <p:cNvSpPr>
+            <a:spLocks noGrp="1"/>
+          </p:cNvSpPr>
+          <p:nvPr>
+            <p:ph idx="1"/>
           </p:nvPr>
         </p:nvSpPr>
         <p:spPr/>
@@ -4286,7 +4278,70 @@
           <a:bodyPr/>
           <a:lstStyle/>
           <a:p>
-            <a:endParaRPr lang="nl-NL" dirty="0"/>
+            <a:r>
+              <a:rPr lang="nl-BE" dirty="0" smtClean="0"/>
+              <a:t>Hier nog enkele links van bedrijven die deze applicatie/</a:t>
+            </a:r>
+            <a:r>
+              <a:rPr lang="nl-BE" dirty="0" err="1" smtClean="0"/>
+              <a:t>webformulieren</a:t>
+            </a:r>
+            <a:r>
+              <a:rPr lang="nl-BE" dirty="0" smtClean="0"/>
+              <a:t> aanbieden:</a:t>
+            </a:r>
+          </a:p>
+          <a:p>
+            <a:pPr lvl="1"/>
+            <a:r>
+              <a:rPr lang="nl-BE" u="sng" dirty="0">
+                <a:hlinkClick r:id="rId2"/>
+              </a:rPr>
+              <a:t>http://www.activesports.com</a:t>
+            </a:r>
+            <a:r>
+              <a:rPr lang="nl-BE" u="sng" dirty="0" smtClean="0">
+                <a:hlinkClick r:id="rId2"/>
+              </a:rPr>
+              <a:t>/</a:t>
+            </a:r>
+            <a:endParaRPr lang="nl-BE" u="sng" dirty="0" smtClean="0"/>
+          </a:p>
+          <a:p>
+            <a:pPr lvl="1"/>
+            <a:r>
+              <a:rPr lang="nl-BE" u="sng" dirty="0">
+                <a:hlinkClick r:id="rId3"/>
+              </a:rPr>
+              <a:t>http://www.leaguelineup.com/onlineregistration.asp</a:t>
+            </a:r>
+            <a:endParaRPr lang="nl-BE" dirty="0"/>
+          </a:p>
+          <a:p>
+            <a:pPr lvl="1"/>
+            <a:r>
+              <a:rPr lang="nl-BE" u="sng" dirty="0">
+                <a:hlinkClick r:id="rId4"/>
+              </a:rPr>
+              <a:t>https://sportspilot.com</a:t>
+            </a:r>
+            <a:r>
+              <a:rPr lang="nl-BE" u="sng" dirty="0" smtClean="0">
+                <a:hlinkClick r:id="rId4"/>
+              </a:rPr>
+              <a:t>/</a:t>
+            </a:r>
+            <a:endParaRPr lang="nl-BE" u="sng" dirty="0" smtClean="0"/>
+          </a:p>
+          <a:p>
+            <a:pPr lvl="1"/>
+            <a:r>
+              <a:rPr lang="nl-BE" u="sng" dirty="0">
+                <a:hlinkClick r:id="rId5"/>
+              </a:rPr>
+              <a:t>http://www.pitchero.com/</a:t>
+            </a:r>
+            <a:endParaRPr lang="nl-BE" dirty="0"/>
           </a:p>
         </p:txBody>
       </p:sp>
@@ -4312,6 +4367,13 @@
       </p:transition>
     </mc:Fallback>
   </mc:AlternateContent>
+  <p:timing>
+    <p:tnLst>
+      <p:par>
+        <p:cTn id="1" dur="indefinite" restart="never" nodeType="tmRoot"/>
+      </p:par>
+    </p:tnLst>
+  </p:timing>
 </p:sld>
 </file>
 
@@ -4488,15 +4550,7 @@
             </a:pPr>
             <a:r>
               <a:rPr lang="nl-BE" dirty="0" smtClean="0"/>
-              <a:t>Organisatie van een internationaal lacrosse toernooi vraagt veel werk. </a:t>
-            </a:r>
-            <a:r>
-              <a:rPr lang="nl-BE" dirty="0" smtClean="0"/>
-              <a:t>Om het de organisatoren makkelijker te maken moet het mogelijk zijn om </a:t>
-            </a:r>
-            <a:r>
-              <a:rPr lang="nl-BE" dirty="0" smtClean="0"/>
-              <a:t>online spelers en teams te kunnen registreren.</a:t>
+              <a:t>Organisatie van een internationaal lacrosse toernooi vraagt veel werk. Om het de organisatoren makkelijker te maken moet het mogelijk zijn om online spelers en teams te kunnen registreren.</a:t>
             </a:r>
           </a:p>
           <a:p>
@@ -4697,13 +4751,13 @@
   <p:clrMapOvr>
     <a:masterClrMapping/>
   </p:clrMapOvr>
-  <mc:AlternateContent xmlns:mc="http://schemas.openxmlformats.org/markup-compatibility/2006">
-    <mc:Choice xmlns:p14="http://schemas.microsoft.com/office/powerpoint/2010/main" Requires="p14">
+  <mc:AlternateContent xmlns:mc="http://schemas.openxmlformats.org/markup-compatibility/2006" xmlns:p14="http://schemas.microsoft.com/office/powerpoint/2010/main">
+    <mc:Choice Requires="p14">
       <p:transition spd="med" p14:dur="700">
         <p:fade/>
       </p:transition>
     </mc:Choice>
-    <mc:Fallback>
+    <mc:Fallback xmlns="">
       <p:transition spd="med">
         <p:fade/>
       </p:transition>
@@ -4751,6 +4805,7 @@
           <a:bodyPr/>
           <a:lstStyle/>
           <a:p>
+            <a:pPr algn="ctr"/>
             <a:r>
               <a:rPr lang="nl-BE" dirty="0" smtClean="0"/>
               <a:t>Platform</a:t>
@@ -5020,6 +5075,30 @@
           <a:bodyPr/>
           <a:lstStyle/>
           <a:p>
+            <a:r>
+              <a:rPr lang="nl-BE" dirty="0" smtClean="0"/>
+              <a:t>Om de userinterface voor de beheerder (organisator) op te maken is er gebruik gemaakt van een Swing applicatie met </a:t>
+            </a:r>
+            <a:r>
+              <a:rPr lang="nl-BE" dirty="0" err="1" smtClean="0"/>
+              <a:t>Jform</a:t>
+            </a:r>
+            <a:r>
+              <a:rPr lang="nl-BE" dirty="0" smtClean="0"/>
+              <a:t>.</a:t>
+            </a:r>
+          </a:p>
+          <a:p>
+            <a:r>
+              <a:rPr lang="nl-BE" dirty="0" smtClean="0"/>
+              <a:t>Het belangrijkste hier was om te zorgen dat de beheerder de mogelijkheid had om eventueel zelf nog wijzigingen door te voeren.</a:t>
+            </a:r>
+          </a:p>
+          <a:p>
+            <a:r>
+              <a:rPr lang="nl-BE" dirty="0" smtClean="0"/>
+              <a:t>Alsook de mogelijkheid om de toernooidocumenten en wedstrijdbladen af te drukken.</a:t>
+            </a:r>
             <a:endParaRPr lang="nl-BE" dirty="0"/>
           </a:p>
         </p:txBody>
@@ -5073,6 +5152,64 @@
           <a:chExt cx="0" cy="0"/>
         </a:xfrm>
       </p:grpSpPr>
+      <p:sp>
+        <p:nvSpPr>
+          <p:cNvPr id="2" name="Titel 1"/>
+          <p:cNvSpPr>
+            <a:spLocks noGrp="1"/>
+          </p:cNvSpPr>
+          <p:nvPr>
+            <p:ph type="title"/>
+          </p:nvPr>
+        </p:nvSpPr>
+        <p:spPr/>
+        <p:txBody>
+          <a:bodyPr/>
+          <a:lstStyle/>
+          <a:p>
+            <a:r>
+              <a:rPr lang="nl-BE" dirty="0" smtClean="0"/>
+              <a:t>Utilities (Webpagina)</a:t>
+            </a:r>
+            <a:endParaRPr lang="nl-BE" dirty="0"/>
+          </a:p>
+        </p:txBody>
+      </p:sp>
+      <p:sp>
+        <p:nvSpPr>
+          <p:cNvPr id="3" name="Tijdelijke aanduiding voor inhoud 2"/>
+          <p:cNvSpPr>
+            <a:spLocks noGrp="1"/>
+          </p:cNvSpPr>
+          <p:nvPr>
+            <p:ph idx="1"/>
+          </p:nvPr>
+        </p:nvSpPr>
+        <p:spPr/>
+        <p:txBody>
+          <a:bodyPr/>
+          <a:lstStyle/>
+          <a:p>
+            <a:r>
+              <a:rPr lang="nl-BE" dirty="0" smtClean="0"/>
+              <a:t>Hier is gebruik gemaakt van HTML 5 om de webpagina te maken.</a:t>
+            </a:r>
+          </a:p>
+          <a:p>
+            <a:r>
+              <a:rPr lang="nl-BE" dirty="0" smtClean="0"/>
+              <a:t>Belangrijk was om te zorgen dat coaches hun team, via deze webpagina, te kunnen invoeren en zelf beheren.</a:t>
+            </a:r>
+          </a:p>
+          <a:p>
+            <a:r>
+              <a:rPr lang="nl-BE" dirty="0" smtClean="0"/>
+              <a:t>Ook de scheidsrechters moeten via deze pagina zich kunnen in- en uitschrijven.</a:t>
+            </a:r>
+            <a:endParaRPr lang="nl-BE" dirty="0"/>
+          </a:p>
+        </p:txBody>
+      </p:sp>
     </p:spTree>
     <p:extLst>
       <p:ext uri="{BB962C8B-B14F-4D97-AF65-F5344CB8AC3E}">
@@ -5124,7 +5261,7 @@
       </p:grpSpPr>
       <p:sp>
         <p:nvSpPr>
-          <p:cNvPr id="2" name="Titel 1"/>
+          <p:cNvPr id="5" name="Titel 4"/>
           <p:cNvSpPr>
             <a:spLocks noGrp="1"/>
           </p:cNvSpPr>
@@ -5137,13 +5274,17 @@
           <a:bodyPr/>
           <a:lstStyle/>
           <a:p>
-            <a:endParaRPr lang="nl-NL" dirty="0"/>
-          </a:p>
-        </p:txBody>
-      </p:sp>
-      <p:sp>
-        <p:nvSpPr>
-          <p:cNvPr id="3" name="Tijdelijke aanduiding voor inhoud 2"/>
+            <a:r>
+              <a:rPr lang="nl-BE" dirty="0" smtClean="0"/>
+              <a:t>Besluit</a:t>
+            </a:r>
+            <a:endParaRPr lang="nl-BE" dirty="0"/>
+          </a:p>
+        </p:txBody>
+      </p:sp>
+      <p:sp>
+        <p:nvSpPr>
+          <p:cNvPr id="6" name="Tijdelijke aanduiding voor inhoud 5"/>
           <p:cNvSpPr>
             <a:spLocks noGrp="1"/>
           </p:cNvSpPr>
@@ -5156,26 +5297,39 @@
           <a:bodyPr/>
           <a:lstStyle/>
           <a:p>
-            <a:endParaRPr lang="nl-NL" dirty="0"/>
-          </a:p>
-        </p:txBody>
-      </p:sp>
-      <p:sp>
-        <p:nvSpPr>
-          <p:cNvPr id="4" name="Tijdelijke aanduiding voor tekst 3"/>
-          <p:cNvSpPr>
-            <a:spLocks noGrp="1"/>
-          </p:cNvSpPr>
-          <p:nvPr>
-            <p:ph type="body" sz="half" idx="2"/>
-          </p:nvPr>
-        </p:nvSpPr>
-        <p:spPr/>
-        <p:txBody>
-          <a:bodyPr/>
-          <a:lstStyle/>
-          <a:p>
-            <a:endParaRPr lang="nl-NL" dirty="0"/>
+            <a:r>
+              <a:rPr lang="nl-BE" dirty="0" smtClean="0"/>
+              <a:t>Is het formulier bruikbaar?</a:t>
+            </a:r>
+          </a:p>
+          <a:p>
+            <a:pPr lvl="1"/>
+            <a:r>
+              <a:rPr lang="nl-BE" dirty="0" smtClean="0"/>
+              <a:t>Ja, het vergemakkelijkt de organisatoren van toernooien, competities om hun event op te zetten. </a:t>
+            </a:r>
+            <a:endParaRPr lang="nl-BE" dirty="0"/>
+          </a:p>
+          <a:p>
+            <a:r>
+              <a:rPr lang="nl-BE" dirty="0" smtClean="0"/>
+              <a:t>Is een speler/team online registratie formulier uniek?</a:t>
+            </a:r>
+          </a:p>
+          <a:p>
+            <a:pPr lvl="1"/>
+            <a:r>
+              <a:rPr lang="nl-BE" dirty="0" smtClean="0"/>
+              <a:t>Nee, in de USA wordt er heel veel gebruik gemaakt van deze formulieren om toernooien, competities of zelf gewone enkele wedstrijden te registreren.</a:t>
+            </a:r>
+          </a:p>
+          <a:p>
+            <a:pPr lvl="1"/>
+            <a:r>
+              <a:rPr lang="nl-BE" dirty="0" smtClean="0"/>
+              <a:t>Dit formulier kan voor elke sport gebruikt worden mits kleine aanpassingen in de UI en de webpagina.</a:t>
+            </a:r>
+            <a:endParaRPr lang="nl-BE" dirty="0"/>
           </a:p>
         </p:txBody>
       </p:sp>
@@ -5201,6 +5355,13 @@
       </p:transition>
     </mc:Fallback>
   </mc:AlternateContent>
+  <p:timing>
+    <p:tnLst>
+      <p:par>
+        <p:cTn id="1" dur="indefinite" restart="never" nodeType="tmRoot"/>
+      </p:par>
+    </p:tnLst>
+  </p:timing>
 </p:sld>
 </file>
 
